--- a/przeplywy_graf.pptx
+++ b/przeplywy_graf.pptx
@@ -219,7 +219,7 @@
             <a:pPr rtl="0"/>
             <a:fld id="{00CE682F-5CA3-4B82-8B0E-44FD217EE709}" type="datetime1">
               <a:rPr lang="pl-PL" smtClean="0"/>
-              <a:t>19.06.2023</a:t>
+              <a:t>20.06.2023</a:t>
             </a:fld>
             <a:endParaRPr lang="pl-PL" dirty="0"/>
           </a:p>
@@ -389,7 +389,7 @@
             <a:fld id="{5A0B0F9F-8D6B-47DB-9281-90694B9E23CE}" type="datetime1">
               <a:rPr lang="pl-PL" smtClean="0"/>
               <a:pPr/>
-              <a:t>19.06.2023</a:t>
+              <a:t>20.06.2023</a:t>
             </a:fld>
             <a:endParaRPr lang="pl-PL" dirty="0"/>
           </a:p>
@@ -9628,7 +9628,7 @@
             <a:fld id="{7EEBE634-78E5-4899-AE1B-B64498BB725F}" type="datetime1">
               <a:rPr lang="pl-PL" smtClean="0"/>
               <a:pPr/>
-              <a:t>19.06.2023</a:t>
+              <a:t>20.06.2023</a:t>
             </a:fld>
             <a:endParaRPr lang="pl-PL" dirty="0"/>
           </a:p>
@@ -9838,7 +9838,7 @@
             <a:fld id="{FA621DC0-910D-4679-903A-774CFA39FDF7}" type="datetime1">
               <a:rPr lang="pl-PL" smtClean="0"/>
               <a:pPr/>
-              <a:t>19.06.2023</a:t>
+              <a:t>20.06.2023</a:t>
             </a:fld>
             <a:endParaRPr lang="pl-PL" dirty="0"/>
           </a:p>
@@ -10021,7 +10021,7 @@
             <a:fld id="{E68B1E87-4F64-491E-B645-847CBA56C993}" type="datetime1">
               <a:rPr lang="pl-PL" smtClean="0"/>
               <a:pPr/>
-              <a:t>19.06.2023</a:t>
+              <a:t>20.06.2023</a:t>
             </a:fld>
             <a:endParaRPr lang="pl-PL" dirty="0"/>
           </a:p>
@@ -10229,7 +10229,7 @@
             <a:fld id="{0CD6FF78-3C4D-46B6-ACE2-8BAD70D37A80}" type="datetime1">
               <a:rPr lang="pl-PL" smtClean="0"/>
               <a:pPr/>
-              <a:t>19.06.2023</a:t>
+              <a:t>20.06.2023</a:t>
             </a:fld>
             <a:endParaRPr lang="pl-PL" dirty="0"/>
           </a:p>
@@ -19130,7 +19130,7 @@
             <a:fld id="{68297F6F-7B60-47A3-A3EF-6B0F66D26FEA}" type="datetime1">
               <a:rPr lang="pl-PL" smtClean="0"/>
               <a:pPr/>
-              <a:t>19.06.2023</a:t>
+              <a:t>20.06.2023</a:t>
             </a:fld>
             <a:endParaRPr lang="pl-PL" dirty="0"/>
           </a:p>
@@ -19407,7 +19407,7 @@
             <a:fld id="{4DD224E0-26FC-48AC-A1F4-0652E252C5D6}" type="datetime1">
               <a:rPr lang="pl-PL" smtClean="0"/>
               <a:pPr/>
-              <a:t>19.06.2023</a:t>
+              <a:t>20.06.2023</a:t>
             </a:fld>
             <a:endParaRPr lang="pl-PL" dirty="0"/>
           </a:p>
@@ -19808,7 +19808,7 @@
             <a:fld id="{21698D14-09E5-46F1-A0B6-CFD7799EEF3B}" type="datetime1">
               <a:rPr lang="pl-PL" smtClean="0"/>
               <a:pPr/>
-              <a:t>19.06.2023</a:t>
+              <a:t>20.06.2023</a:t>
             </a:fld>
             <a:endParaRPr lang="pl-PL" dirty="0"/>
           </a:p>
@@ -19929,7 +19929,7 @@
             <a:fld id="{6D0CB81A-62B6-4D86-B5F9-B98C16302349}" type="datetime1">
               <a:rPr lang="pl-PL" smtClean="0"/>
               <a:pPr/>
-              <a:t>19.06.2023</a:t>
+              <a:t>20.06.2023</a:t>
             </a:fld>
             <a:endParaRPr lang="pl-PL" dirty="0"/>
           </a:p>
@@ -20026,7 +20026,7 @@
             <a:fld id="{135B4F86-0851-49A4-8C26-53DCDBC52820}" type="datetime1">
               <a:rPr lang="pl-PL" smtClean="0"/>
               <a:pPr/>
-              <a:t>19.06.2023</a:t>
+              <a:t>20.06.2023</a:t>
             </a:fld>
             <a:endParaRPr lang="pl-PL" dirty="0"/>
           </a:p>
@@ -20319,7 +20319,7 @@
             <a:fld id="{56533B47-BDFA-4B3B-A420-4094E60E1F74}" type="datetime1">
               <a:rPr lang="pl-PL" smtClean="0"/>
               <a:pPr/>
-              <a:t>19.06.2023</a:t>
+              <a:t>20.06.2023</a:t>
             </a:fld>
             <a:endParaRPr lang="pl-PL" dirty="0"/>
           </a:p>
@@ -20603,7 +20603,7 @@
             <a:fld id="{49311A1F-0521-44D0-BB1E-9C8ABA880483}" type="datetime1">
               <a:rPr lang="pl-PL" smtClean="0"/>
               <a:pPr/>
-              <a:t>19.06.2023</a:t>
+              <a:t>20.06.2023</a:t>
             </a:fld>
             <a:endParaRPr lang="pl-PL" dirty="0"/>
           </a:p>
@@ -20850,7 +20850,7 @@
             <a:fld id="{C49060CF-8A4E-46EF-A490-C23B3C3CDF51}" type="datetime1">
               <a:rPr lang="pl-PL" smtClean="0"/>
               <a:pPr/>
-              <a:t>19.06.2023</a:t>
+              <a:t>20.06.2023</a:t>
             </a:fld>
             <a:endParaRPr lang="pl-PL" dirty="0"/>
           </a:p>
@@ -21875,7 +21875,7 @@
             </a:r>
             <a:r>
               <a:rPr lang="pl-PL" dirty="0"/>
-              <a:t> jest jednym z klasycznych algorytmów rozwiązujących problem maksymalnego przepływu w sieciach. Poniżej przedstawiam podstawową wersję tego algorytmu:</a:t>
+              <a:t> jest jednym z klasycznych algorytmów rozwiązujących problem maksymalnego przepływu w sieciach. </a:t>
             </a:r>
           </a:p>
           <a:p>
@@ -22325,7 +22325,7 @@
         <p:spPr/>
         <p:txBody>
           <a:bodyPr>
-            <a:normAutofit fontScale="85000" lnSpcReduction="20000"/>
+            <a:normAutofit fontScale="92500" lnSpcReduction="20000"/>
           </a:bodyPr>
           <a:lstStyle/>
           <a:p>
@@ -22344,7 +22344,7 @@
             </a:r>
             <a:r>
               <a:rPr lang="pl-PL" sz="2100" dirty="0"/>
-              <a:t> jest algorytmem służącym do rozwiązania problemu najkrótszych ścieżek w grafie, uwzględniającym również koszty krawędzi. Może być stosowany zarówno w grafach skierowanych, jak i nieskierowanych, a także obsługuje krawędzie o ujemnych wagach. Poniżej przedstawiam opis tego algorytmu:</a:t>
+              <a:t> jest algorytmem służącym do rozwiązania problemu najkrótszych ścieżek w grafie, uwzględniającym również koszty krawędzi. Może być stosowany zarówno w grafach skierowanych, jak i nieskierowanych, a także obsługuje krawędzie o ujemnych wagach.</a:t>
             </a:r>
           </a:p>
           <a:p>
@@ -23314,23 +23314,6 @@
 </file>
 
 <file path=customXml/item1.xml><?xml version="1.0" encoding="utf-8"?>
-<?mso-contentType ?>
-<FormTemplates xmlns="http://schemas.microsoft.com/sharepoint/v3/contenttype/forms">
-  <Display>DocumentLibraryForm</Display>
-  <Edit>DocumentLibraryForm</Edit>
-  <New>DocumentLibraryForm</New>
-</FormTemplates>
-</file>
-
-<file path=customXml/item2.xml><?xml version="1.0" encoding="utf-8"?>
-<p:properties xmlns:p="http://schemas.microsoft.com/office/2006/metadata/properties" xmlns:xsi="http://www.w3.org/2001/XMLSchema-instance" xmlns:pc="http://schemas.microsoft.com/office/infopath/2007/PartnerControls">
-  <documentManagement>
-    <MediaServiceKeyPoints xmlns="71af3243-3dd4-4a8d-8c0d-dd76da1f02a5" xsi:nil="true"/>
-  </documentManagement>
-</p:properties>
-</file>
-
-<file path=customXml/item3.xml><?xml version="1.0" encoding="utf-8"?>
 <ct:contentTypeSchema xmlns:ct="http://schemas.microsoft.com/office/2006/metadata/contentType" xmlns:ma="http://schemas.microsoft.com/office/2006/metadata/properties/metaAttributes" ct:_="" ma:_="" ma:contentTypeName="Document" ma:contentTypeID="0x01010079F111ED35F8CC479449609E8A0923A6" ma:contentTypeVersion="11" ma:contentTypeDescription="Create a new document." ma:contentTypeScope="" ma:versionID="9677210f24a1be23c92c90fd886aa0aa">
   <xsd:schema xmlns:xsd="http://www.w3.org/2001/XMLSchema" xmlns:xs="http://www.w3.org/2001/XMLSchema" xmlns:p="http://schemas.microsoft.com/office/2006/metadata/properties" xmlns:ns2="71af3243-3dd4-4a8d-8c0d-dd76da1f02a5" xmlns:ns3="16c05727-aa75-4e4a-9b5f-8a80a1165891" targetNamespace="http://schemas.microsoft.com/office/2006/metadata/properties" ma:root="true" ma:fieldsID="60e05723c5c1908df1a1a4ebf11d344e" ns2:_="" ns3:_="">
     <xsd:import namespace="71af3243-3dd4-4a8d-8c0d-dd76da1f02a5"/>
@@ -23541,25 +23524,24 @@
 </ct:contentTypeSchema>
 </file>
 
-<file path=customXml/itemProps1.xml><?xml version="1.0" encoding="utf-8"?>
-<ds:datastoreItem xmlns:ds="http://schemas.openxmlformats.org/officeDocument/2006/customXml" ds:itemID="{4F44C90D-2A62-4985-9618-3460247437B1}">
-  <ds:schemaRefs>
-    <ds:schemaRef ds:uri="http://schemas.microsoft.com/sharepoint/v3/contenttype/forms"/>
-  </ds:schemaRefs>
-</ds:datastoreItem>
+<file path=customXml/item2.xml><?xml version="1.0" encoding="utf-8"?>
+<p:properties xmlns:p="http://schemas.microsoft.com/office/2006/metadata/properties" xmlns:xsi="http://www.w3.org/2001/XMLSchema-instance" xmlns:pc="http://schemas.microsoft.com/office/infopath/2007/PartnerControls">
+  <documentManagement>
+    <MediaServiceKeyPoints xmlns="71af3243-3dd4-4a8d-8c0d-dd76da1f02a5" xsi:nil="true"/>
+  </documentManagement>
+</p:properties>
 </file>
 
-<file path=customXml/itemProps2.xml><?xml version="1.0" encoding="utf-8"?>
-<ds:datastoreItem xmlns:ds="http://schemas.openxmlformats.org/officeDocument/2006/customXml" ds:itemID="{788A2F88-55C5-4ED1-9541-807C65424763}">
-  <ds:schemaRefs>
-    <ds:schemaRef ds:uri="http://schemas.microsoft.com/office/2006/metadata/properties"/>
-    <ds:schemaRef ds:uri="http://schemas.microsoft.com/office/infopath/2007/PartnerControls"/>
-    <ds:schemaRef ds:uri="71af3243-3dd4-4a8d-8c0d-dd76da1f02a5"/>
-  </ds:schemaRefs>
-</ds:datastoreItem>
+<file path=customXml/item3.xml><?xml version="1.0" encoding="utf-8"?>
+<?mso-contentType ?>
+<FormTemplates xmlns="http://schemas.microsoft.com/sharepoint/v3/contenttype/forms">
+  <Display>DocumentLibraryForm</Display>
+  <Edit>DocumentLibraryForm</Edit>
+  <New>DocumentLibraryForm</New>
+</FormTemplates>
 </file>
 
-<file path=customXml/itemProps3.xml><?xml version="1.0" encoding="utf-8"?>
+<file path=customXml/itemProps1.xml><?xml version="1.0" encoding="utf-8"?>
 <ds:datastoreItem xmlns:ds="http://schemas.openxmlformats.org/officeDocument/2006/customXml" ds:itemID="{B61EAB5F-88FC-4FAE-AE3C-037A3C365EB8}">
   <ds:schemaRefs>
     <ds:schemaRef ds:uri="http://schemas.microsoft.com/office/2006/metadata/contentType"/>
@@ -23576,4 +23558,22 @@
     <ds:schemaRef ds:uri="http://schemas.microsoft.com/internal/obd"/>
   </ds:schemaRefs>
 </ds:datastoreItem>
+</file>
+
+<file path=customXml/itemProps2.xml><?xml version="1.0" encoding="utf-8"?>
+<ds:datastoreItem xmlns:ds="http://schemas.openxmlformats.org/officeDocument/2006/customXml" ds:itemID="{788A2F88-55C5-4ED1-9541-807C65424763}">
+  <ds:schemaRefs>
+    <ds:schemaRef ds:uri="http://schemas.microsoft.com/office/2006/metadata/properties"/>
+    <ds:schemaRef ds:uri="http://schemas.microsoft.com/office/infopath/2007/PartnerControls"/>
+    <ds:schemaRef ds:uri="71af3243-3dd4-4a8d-8c0d-dd76da1f02a5"/>
+  </ds:schemaRefs>
+</ds:datastoreItem>
+</file>
+
+<file path=customXml/itemProps3.xml><?xml version="1.0" encoding="utf-8"?>
+<ds:datastoreItem xmlns:ds="http://schemas.openxmlformats.org/officeDocument/2006/customXml" ds:itemID="{4F44C90D-2A62-4985-9618-3460247437B1}">
+  <ds:schemaRefs>
+    <ds:schemaRef ds:uri="http://schemas.microsoft.com/sharepoint/v3/contenttype/forms"/>
+  </ds:schemaRefs>
+</ds:datastoreItem>
 </file>